--- a/doc/2D_CAD_PROGRAM_final.pptx
+++ b/doc/2D_CAD_PROGRAM_final.pptx
@@ -204,7 +204,7 @@
           <a:p>
             <a:fld id="{AFD01546-198A-4195-BCF8-F0FF54C90E5E}" type="datetimeFigureOut">
               <a:rPr lang="en-US" smtClean="0"/>
-              <a:t>11/1/2022</a:t>
+              <a:t>11/2/2022</a:t>
             </a:fld>
             <a:endParaRPr lang="en-US" dirty="0"/>
           </a:p>
@@ -800,7 +800,7 @@
           <a:p>
             <a:fld id="{88D38747-4367-4BD2-8D51-C97E202738E2}" type="datetime1">
               <a:rPr lang="en-US" smtClean="0"/>
-              <a:t>11/1/2022</a:t>
+              <a:t>11/2/2022</a:t>
             </a:fld>
             <a:endParaRPr lang="en-US" dirty="0"/>
           </a:p>
@@ -1105,7 +1105,7 @@
           <a:p>
             <a:fld id="{11F1B079-7EF0-44EE-B798-BCC497C9F3B2}" type="datetime1">
               <a:rPr lang="en-US" smtClean="0"/>
-              <a:t>11/1/2022</a:t>
+              <a:t>11/2/2022</a:t>
             </a:fld>
             <a:endParaRPr lang="en-US" dirty="0"/>
           </a:p>
@@ -1299,7 +1299,7 @@
           <a:p>
             <a:fld id="{28FF70A8-1D13-4657-95F0-A9EA54967B8D}" type="datetime1">
               <a:rPr lang="en-US" smtClean="0"/>
-              <a:t>11/1/2022</a:t>
+              <a:t>11/2/2022</a:t>
             </a:fld>
             <a:endParaRPr lang="en-US" dirty="0"/>
           </a:p>
@@ -1562,7 +1562,7 @@
           <a:p>
             <a:fld id="{21EB90AC-71BD-4C7F-8ACA-7B3F18292E63}" type="datetime1">
               <a:rPr lang="en-US" smtClean="0"/>
-              <a:t>11/1/2022</a:t>
+              <a:t>11/2/2022</a:t>
             </a:fld>
             <a:endParaRPr lang="en-US" dirty="0"/>
           </a:p>
@@ -1998,7 +1998,7 @@
           <a:p>
             <a:fld id="{4E6EFC2C-8905-46F0-B443-CE905B76BA01}" type="datetime1">
               <a:rPr lang="en-US" smtClean="0"/>
-              <a:t>11/1/2022</a:t>
+              <a:t>11/2/2022</a:t>
             </a:fld>
             <a:endParaRPr lang="en-US" dirty="0"/>
           </a:p>
@@ -2535,7 +2535,7 @@
           <a:p>
             <a:fld id="{D9079DC3-C9B5-499E-9140-0DC28B7074E2}" type="datetime1">
               <a:rPr lang="en-US" smtClean="0"/>
-              <a:t>11/1/2022</a:t>
+              <a:t>11/2/2022</a:t>
             </a:fld>
             <a:endParaRPr lang="en-US" dirty="0"/>
           </a:p>
@@ -3417,7 +3417,7 @@
           <a:p>
             <a:fld id="{30BB33EA-E472-4D22-9C03-A9C14AA21CED}" type="datetime1">
               <a:rPr lang="en-US" smtClean="0"/>
-              <a:t>11/1/2022</a:t>
+              <a:t>11/2/2022</a:t>
             </a:fld>
             <a:endParaRPr lang="en-US" dirty="0"/>
           </a:p>
@@ -3587,7 +3587,7 @@
           <a:p>
             <a:fld id="{73C55A3C-5767-4844-A0A3-83778C2E5409}" type="datetime1">
               <a:rPr lang="en-US" smtClean="0"/>
-              <a:t>11/1/2022</a:t>
+              <a:t>11/2/2022</a:t>
             </a:fld>
             <a:endParaRPr lang="en-US" dirty="0"/>
           </a:p>
@@ -3831,7 +3831,7 @@
           <a:p>
             <a:fld id="{CAE507A8-A5CF-4D38-AB86-7EDDA87A85D4}" type="datetime1">
               <a:rPr lang="en-US" smtClean="0"/>
-              <a:t>11/1/2022</a:t>
+              <a:t>11/2/2022</a:t>
             </a:fld>
             <a:endParaRPr lang="en-US" dirty="0"/>
           </a:p>
@@ -4073,7 +4073,7 @@
           <a:p>
             <a:fld id="{BDFCD27C-8599-43EF-BA1D-14DDC1946E06}" type="datetime1">
               <a:rPr lang="en-US" smtClean="0"/>
-              <a:t>11/1/2022</a:t>
+              <a:t>11/2/2022</a:t>
             </a:fld>
             <a:endParaRPr lang="en-US" dirty="0"/>
           </a:p>
@@ -4556,7 +4556,7 @@
           <a:p>
             <a:fld id="{49343D99-809A-49C0-96E5-4250D0B498EE}" type="datetime1">
               <a:rPr lang="en-US" smtClean="0"/>
-              <a:t>11/1/2022</a:t>
+              <a:t>11/2/2022</a:t>
             </a:fld>
             <a:endParaRPr lang="en-US" dirty="0"/>
           </a:p>
@@ -4674,7 +4674,7 @@
           <a:p>
             <a:fld id="{A143DE9B-B678-4EFB-BB7D-A4370204A0B0}" type="datetime1">
               <a:rPr lang="en-US" smtClean="0"/>
-              <a:t>11/1/2022</a:t>
+              <a:t>11/2/2022</a:t>
             </a:fld>
             <a:endParaRPr lang="en-US" dirty="0"/>
           </a:p>
@@ -4769,7 +4769,7 @@
           <a:p>
             <a:fld id="{E68812DA-F765-4142-A6A3-A8ED7235E082}" type="datetime1">
               <a:rPr lang="en-US" smtClean="0"/>
-              <a:t>11/1/2022</a:t>
+              <a:t>11/2/2022</a:t>
             </a:fld>
             <a:endParaRPr lang="en-US" dirty="0"/>
           </a:p>
@@ -5024,7 +5024,7 @@
           <a:p>
             <a:fld id="{3E0277FD-7DE6-41D4-930D-AC99F5AFE54E}" type="datetime1">
               <a:rPr lang="en-US" smtClean="0"/>
-              <a:t>11/1/2022</a:t>
+              <a:t>11/2/2022</a:t>
             </a:fld>
             <a:endParaRPr lang="en-US" dirty="0"/>
           </a:p>
@@ -5331,7 +5331,7 @@
           <a:p>
             <a:fld id="{9EA15526-7079-4B7B-987C-1B5FAE11A0FF}" type="datetime1">
               <a:rPr lang="en-US" smtClean="0"/>
-              <a:t>11/1/2022</a:t>
+              <a:t>11/2/2022</a:t>
             </a:fld>
             <a:endParaRPr lang="en-US" dirty="0"/>
           </a:p>
@@ -5566,7 +5566,7 @@
           <a:p>
             <a:fld id="{073ED0CC-082F-4160-86E5-0D6041F12778}" type="datetime1">
               <a:rPr lang="en-US" smtClean="0"/>
-              <a:t>11/1/2022</a:t>
+              <a:t>11/2/2022</a:t>
             </a:fld>
             <a:endParaRPr lang="en-US" dirty="0"/>
           </a:p>
@@ -6484,7 +6484,7 @@
           </a:effectLst>
           <a:extLst>
             <a:ext uri="{91240B29-F687-4f45-9708-019B960494DF}">
-              <a14:hiddenLine xmlns="" xmlns:a14="http://schemas.microsoft.com/office/drawing/2010/main" xmlns:p14="http://schemas.microsoft.com/office/powerpoint/2010/main" xmlns:a16="http://schemas.microsoft.com/office/drawing/2014/main" w="9525">
+              <a14:hiddenLine xmlns:a16="http://schemas.microsoft.com/office/drawing/2014/main" xmlns:p14="http://schemas.microsoft.com/office/powerpoint/2010/main" xmlns:a14="http://schemas.microsoft.com/office/drawing/2010/main" xmlns="" w="9525">
                 <a:solidFill>
                   <a:srgbClr val="000000"/>
                 </a:solidFill>
@@ -6597,7 +6597,7 @@
         </p:spPr>
         <p:txBody>
           <a:bodyPr>
-            <a:normAutofit fontScale="55000" lnSpcReduction="20000"/>
+            <a:normAutofit fontScale="62500" lnSpcReduction="20000"/>
           </a:bodyPr>
           <a:lstStyle/>
           <a:p>
@@ -6631,19 +6631,9 @@
           <a:p>
             <a:pPr algn="r"/>
             <a:r>
-              <a:rPr lang="en-US" sz="2900" dirty="0"/>
+              <a:rPr lang="en-US" sz="2900"/>
               <a:t>TANYA GOYAL</a:t>
             </a:r>
-          </a:p>
-          <a:p>
-            <a:pPr algn="r"/>
-            <a:r>
-              <a:rPr lang="en-US" sz="2900" dirty="0"/>
-              <a:t>ASHISH KALRA</a:t>
-            </a:r>
-          </a:p>
-          <a:p>
-            <a:pPr algn="r"/>
             <a:endParaRPr lang="en-US" dirty="0"/>
           </a:p>
         </p:txBody>
@@ -8849,6 +8839,15 @@
 </file>
 
 <file path=customXml/item1.xml><?xml version="1.0" encoding="utf-8"?>
+<p:properties xmlns:p="http://schemas.microsoft.com/office/2006/metadata/properties" xmlns:xsi="http://www.w3.org/2001/XMLSchema-instance" xmlns:pc="http://schemas.microsoft.com/office/infopath/2007/PartnerControls">
+  <documentManagement>
+    <Status xmlns="71af3243-3dd4-4a8d-8c0d-dd76da1f02a5">Not started</Status>
+    <MediaServiceKeyPoints xmlns="71af3243-3dd4-4a8d-8c0d-dd76da1f02a5" xsi:nil="true"/>
+  </documentManagement>
+</p:properties>
+</file>
+
+<file path=customXml/item2.xml><?xml version="1.0" encoding="utf-8"?>
 <ct:contentTypeSchema xmlns:ct="http://schemas.microsoft.com/office/2006/metadata/contentType" xmlns:ma="http://schemas.microsoft.com/office/2006/metadata/properties/metaAttributes" ct:_="" ma:_="" ma:contentTypeName="Document" ma:contentTypeID="0x01010079F111ED35F8CC479449609E8A0923A6" ma:contentTypeVersion="12" ma:contentTypeDescription="Create a new document." ma:contentTypeScope="" ma:versionID="a410dd7f93c95333ffa1b60ed6adedd1">
   <xsd:schema xmlns:xsd="http://www.w3.org/2001/XMLSchema" xmlns:xs="http://www.w3.org/2001/XMLSchema" xmlns:p="http://schemas.microsoft.com/office/2006/metadata/properties" xmlns:ns2="71af3243-3dd4-4a8d-8c0d-dd76da1f02a5" xmlns:ns3="16c05727-aa75-4e4a-9b5f-8a80a1165891" targetNamespace="http://schemas.microsoft.com/office/2006/metadata/properties" ma:root="true" ma:fieldsID="a936d9baba76aa3866493feff160faab" ns2:_="" ns3:_="">
     <xsd:import namespace="71af3243-3dd4-4a8d-8c0d-dd76da1f02a5"/>
@@ -9069,15 +9068,6 @@
 </ct:contentTypeSchema>
 </file>
 
-<file path=customXml/item2.xml><?xml version="1.0" encoding="utf-8"?>
-<p:properties xmlns:p="http://schemas.microsoft.com/office/2006/metadata/properties" xmlns:xsi="http://www.w3.org/2001/XMLSchema-instance" xmlns:pc="http://schemas.microsoft.com/office/infopath/2007/PartnerControls">
-  <documentManagement>
-    <Status xmlns="71af3243-3dd4-4a8d-8c0d-dd76da1f02a5">Not started</Status>
-    <MediaServiceKeyPoints xmlns="71af3243-3dd4-4a8d-8c0d-dd76da1f02a5" xsi:nil="true"/>
-  </documentManagement>
-</p:properties>
-</file>
-
 <file path=customXml/item3.xml><?xml version="1.0" encoding="utf-8"?>
 <?mso-contentType ?>
 <FormTemplates xmlns="http://schemas.microsoft.com/sharepoint/v3/contenttype/forms">
@@ -9088,6 +9078,23 @@
 </file>
 
 <file path=customXml/itemProps1.xml><?xml version="1.0" encoding="utf-8"?>
+<ds:datastoreItem xmlns:ds="http://schemas.openxmlformats.org/officeDocument/2006/customXml" ds:itemID="{2C4C00F4-06E9-43E3-AD97-88A857CEFA82}">
+  <ds:schemaRefs>
+    <ds:schemaRef ds:uri="http://schemas.openxmlformats.org/package/2006/metadata/core-properties"/>
+    <ds:schemaRef ds:uri="http://purl.org/dc/terms/"/>
+    <ds:schemaRef ds:uri="http://schemas.microsoft.com/office/infopath/2007/PartnerControls"/>
+    <ds:schemaRef ds:uri="http://schemas.microsoft.com/office/2006/documentManagement/types"/>
+    <ds:schemaRef ds:uri="http://purl.org/dc/dcmitype/"/>
+    <ds:schemaRef ds:uri="http://schemas.microsoft.com/office/2006/metadata/properties"/>
+    <ds:schemaRef ds:uri="71af3243-3dd4-4a8d-8c0d-dd76da1f02a5"/>
+    <ds:schemaRef ds:uri="http://purl.org/dc/elements/1.1/"/>
+    <ds:schemaRef ds:uri="16c05727-aa75-4e4a-9b5f-8a80a1165891"/>
+    <ds:schemaRef ds:uri="http://www.w3.org/XML/1998/namespace"/>
+  </ds:schemaRefs>
+</ds:datastoreItem>
+</file>
+
+<file path=customXml/itemProps2.xml><?xml version="1.0" encoding="utf-8"?>
 <ds:datastoreItem xmlns:ds="http://schemas.openxmlformats.org/officeDocument/2006/customXml" ds:itemID="{0585E981-8C91-4205-A0C3-C991F42B4C9E}">
   <ds:schemaRefs>
     <ds:schemaRef ds:uri="http://schemas.microsoft.com/office/2006/metadata/contentType"/>
@@ -9106,23 +9113,6 @@
 </ds:datastoreItem>
 </file>
 
-<file path=customXml/itemProps2.xml><?xml version="1.0" encoding="utf-8"?>
-<ds:datastoreItem xmlns:ds="http://schemas.openxmlformats.org/officeDocument/2006/customXml" ds:itemID="{2C4C00F4-06E9-43E3-AD97-88A857CEFA82}">
-  <ds:schemaRefs>
-    <ds:schemaRef ds:uri="http://schemas.openxmlformats.org/package/2006/metadata/core-properties"/>
-    <ds:schemaRef ds:uri="http://purl.org/dc/terms/"/>
-    <ds:schemaRef ds:uri="http://schemas.microsoft.com/office/infopath/2007/PartnerControls"/>
-    <ds:schemaRef ds:uri="http://schemas.microsoft.com/office/2006/documentManagement/types"/>
-    <ds:schemaRef ds:uri="http://purl.org/dc/dcmitype/"/>
-    <ds:schemaRef ds:uri="http://schemas.microsoft.com/office/2006/metadata/properties"/>
-    <ds:schemaRef ds:uri="71af3243-3dd4-4a8d-8c0d-dd76da1f02a5"/>
-    <ds:schemaRef ds:uri="http://purl.org/dc/elements/1.1/"/>
-    <ds:schemaRef ds:uri="16c05727-aa75-4e4a-9b5f-8a80a1165891"/>
-    <ds:schemaRef ds:uri="http://www.w3.org/XML/1998/namespace"/>
-  </ds:schemaRefs>
-</ds:datastoreItem>
-</file>
-
 <file path=customXml/itemProps3.xml><?xml version="1.0" encoding="utf-8"?>
 <ds:datastoreItem xmlns:ds="http://schemas.openxmlformats.org/officeDocument/2006/customXml" ds:itemID="{64B270AB-C138-415C-897E-3C24487DECF1}">
   <ds:schemaRefs>

--- a/doc/2D_CAD_PROGRAM_final.pptx
+++ b/doc/2D_CAD_PROGRAM_final.pptx
@@ -6484,7 +6484,7 @@
           </a:effectLst>
           <a:extLst>
             <a:ext uri="{91240B29-F687-4f45-9708-019B960494DF}">
-              <a14:hiddenLine xmlns:a16="http://schemas.microsoft.com/office/drawing/2014/main" xmlns:p14="http://schemas.microsoft.com/office/powerpoint/2010/main" xmlns:a14="http://schemas.microsoft.com/office/drawing/2010/main" xmlns="" w="9525">
+              <a14:hiddenLine xmlns="" xmlns:a14="http://schemas.microsoft.com/office/drawing/2010/main" xmlns:p14="http://schemas.microsoft.com/office/powerpoint/2010/main" xmlns:a16="http://schemas.microsoft.com/office/drawing/2014/main" w="9525">
                 <a:solidFill>
                   <a:srgbClr val="000000"/>
                 </a:solidFill>
@@ -7255,7 +7255,7 @@
             </a:pPr>
             <a:r>
               <a:rPr lang="en-US" dirty="0"/>
-              <a:t>Works as a fun activity as well as an important tool for people who want to capture a picture.</a:t>
+              <a:t>Works as a fun activity as well as an important tool for people who want to use it as a professional tool.</a:t>
             </a:r>
           </a:p>
           <a:p>
@@ -8839,15 +8839,6 @@
 </file>
 
 <file path=customXml/item1.xml><?xml version="1.0" encoding="utf-8"?>
-<p:properties xmlns:p="http://schemas.microsoft.com/office/2006/metadata/properties" xmlns:xsi="http://www.w3.org/2001/XMLSchema-instance" xmlns:pc="http://schemas.microsoft.com/office/infopath/2007/PartnerControls">
-  <documentManagement>
-    <Status xmlns="71af3243-3dd4-4a8d-8c0d-dd76da1f02a5">Not started</Status>
-    <MediaServiceKeyPoints xmlns="71af3243-3dd4-4a8d-8c0d-dd76da1f02a5" xsi:nil="true"/>
-  </documentManagement>
-</p:properties>
-</file>
-
-<file path=customXml/item2.xml><?xml version="1.0" encoding="utf-8"?>
 <ct:contentTypeSchema xmlns:ct="http://schemas.microsoft.com/office/2006/metadata/contentType" xmlns:ma="http://schemas.microsoft.com/office/2006/metadata/properties/metaAttributes" ct:_="" ma:_="" ma:contentTypeName="Document" ma:contentTypeID="0x01010079F111ED35F8CC479449609E8A0923A6" ma:contentTypeVersion="12" ma:contentTypeDescription="Create a new document." ma:contentTypeScope="" ma:versionID="a410dd7f93c95333ffa1b60ed6adedd1">
   <xsd:schema xmlns:xsd="http://www.w3.org/2001/XMLSchema" xmlns:xs="http://www.w3.org/2001/XMLSchema" xmlns:p="http://schemas.microsoft.com/office/2006/metadata/properties" xmlns:ns2="71af3243-3dd4-4a8d-8c0d-dd76da1f02a5" xmlns:ns3="16c05727-aa75-4e4a-9b5f-8a80a1165891" targetNamespace="http://schemas.microsoft.com/office/2006/metadata/properties" ma:root="true" ma:fieldsID="a936d9baba76aa3866493feff160faab" ns2:_="" ns3:_="">
     <xsd:import namespace="71af3243-3dd4-4a8d-8c0d-dd76da1f02a5"/>
@@ -9068,6 +9059,15 @@
 </ct:contentTypeSchema>
 </file>
 
+<file path=customXml/item2.xml><?xml version="1.0" encoding="utf-8"?>
+<p:properties xmlns:p="http://schemas.microsoft.com/office/2006/metadata/properties" xmlns:xsi="http://www.w3.org/2001/XMLSchema-instance" xmlns:pc="http://schemas.microsoft.com/office/infopath/2007/PartnerControls">
+  <documentManagement>
+    <Status xmlns="71af3243-3dd4-4a8d-8c0d-dd76da1f02a5">Not started</Status>
+    <MediaServiceKeyPoints xmlns="71af3243-3dd4-4a8d-8c0d-dd76da1f02a5" xsi:nil="true"/>
+  </documentManagement>
+</p:properties>
+</file>
+
 <file path=customXml/item3.xml><?xml version="1.0" encoding="utf-8"?>
 <?mso-contentType ?>
 <FormTemplates xmlns="http://schemas.microsoft.com/sharepoint/v3/contenttype/forms">
@@ -9078,23 +9078,6 @@
 </file>
 
 <file path=customXml/itemProps1.xml><?xml version="1.0" encoding="utf-8"?>
-<ds:datastoreItem xmlns:ds="http://schemas.openxmlformats.org/officeDocument/2006/customXml" ds:itemID="{2C4C00F4-06E9-43E3-AD97-88A857CEFA82}">
-  <ds:schemaRefs>
-    <ds:schemaRef ds:uri="http://schemas.openxmlformats.org/package/2006/metadata/core-properties"/>
-    <ds:schemaRef ds:uri="http://purl.org/dc/terms/"/>
-    <ds:schemaRef ds:uri="http://schemas.microsoft.com/office/infopath/2007/PartnerControls"/>
-    <ds:schemaRef ds:uri="http://schemas.microsoft.com/office/2006/documentManagement/types"/>
-    <ds:schemaRef ds:uri="http://purl.org/dc/dcmitype/"/>
-    <ds:schemaRef ds:uri="http://schemas.microsoft.com/office/2006/metadata/properties"/>
-    <ds:schemaRef ds:uri="71af3243-3dd4-4a8d-8c0d-dd76da1f02a5"/>
-    <ds:schemaRef ds:uri="http://purl.org/dc/elements/1.1/"/>
-    <ds:schemaRef ds:uri="16c05727-aa75-4e4a-9b5f-8a80a1165891"/>
-    <ds:schemaRef ds:uri="http://www.w3.org/XML/1998/namespace"/>
-  </ds:schemaRefs>
-</ds:datastoreItem>
-</file>
-
-<file path=customXml/itemProps2.xml><?xml version="1.0" encoding="utf-8"?>
 <ds:datastoreItem xmlns:ds="http://schemas.openxmlformats.org/officeDocument/2006/customXml" ds:itemID="{0585E981-8C91-4205-A0C3-C991F42B4C9E}">
   <ds:schemaRefs>
     <ds:schemaRef ds:uri="http://schemas.microsoft.com/office/2006/metadata/contentType"/>
@@ -9113,6 +9096,23 @@
 </ds:datastoreItem>
 </file>
 
+<file path=customXml/itemProps2.xml><?xml version="1.0" encoding="utf-8"?>
+<ds:datastoreItem xmlns:ds="http://schemas.openxmlformats.org/officeDocument/2006/customXml" ds:itemID="{2C4C00F4-06E9-43E3-AD97-88A857CEFA82}">
+  <ds:schemaRefs>
+    <ds:schemaRef ds:uri="http://schemas.openxmlformats.org/package/2006/metadata/core-properties"/>
+    <ds:schemaRef ds:uri="http://purl.org/dc/terms/"/>
+    <ds:schemaRef ds:uri="http://schemas.microsoft.com/office/infopath/2007/PartnerControls"/>
+    <ds:schemaRef ds:uri="http://schemas.microsoft.com/office/2006/documentManagement/types"/>
+    <ds:schemaRef ds:uri="http://purl.org/dc/dcmitype/"/>
+    <ds:schemaRef ds:uri="http://schemas.microsoft.com/office/2006/metadata/properties"/>
+    <ds:schemaRef ds:uri="71af3243-3dd4-4a8d-8c0d-dd76da1f02a5"/>
+    <ds:schemaRef ds:uri="http://purl.org/dc/elements/1.1/"/>
+    <ds:schemaRef ds:uri="16c05727-aa75-4e4a-9b5f-8a80a1165891"/>
+    <ds:schemaRef ds:uri="http://www.w3.org/XML/1998/namespace"/>
+  </ds:schemaRefs>
+</ds:datastoreItem>
+</file>
+
 <file path=customXml/itemProps3.xml><?xml version="1.0" encoding="utf-8"?>
 <ds:datastoreItem xmlns:ds="http://schemas.openxmlformats.org/officeDocument/2006/customXml" ds:itemID="{64B270AB-C138-415C-897E-3C24487DECF1}">
   <ds:schemaRefs>

--- a/doc/2D_CAD_PROGRAM_final.pptx
+++ b/doc/2D_CAD_PROGRAM_final.pptx
@@ -6484,7 +6484,7 @@
           </a:effectLst>
           <a:extLst>
             <a:ext uri="{91240B29-F687-4f45-9708-019B960494DF}">
-              <a14:hiddenLine xmlns="" xmlns:a14="http://schemas.microsoft.com/office/drawing/2010/main" xmlns:p14="http://schemas.microsoft.com/office/powerpoint/2010/main" xmlns:a16="http://schemas.microsoft.com/office/drawing/2014/main" w="9525">
+              <a14:hiddenLine xmlns:a16="http://schemas.microsoft.com/office/drawing/2014/main" xmlns:p14="http://schemas.microsoft.com/office/powerpoint/2010/main" xmlns:a14="http://schemas.microsoft.com/office/drawing/2010/main" xmlns="" w="9525">
                 <a:solidFill>
                   <a:srgbClr val="000000"/>
                 </a:solidFill>
@@ -7097,7 +7097,7 @@
             </a:pPr>
             <a:r>
               <a:rPr lang="en-US" sz="1800" dirty="0"/>
-              <a:t>Assist with the design’s creation, modification, analysis, or optimization of a design.</a:t>
+              <a:t>2D CAD can be used across a wide range of industries such as automotive, aerospace, fashion and industrial design.</a:t>
             </a:r>
           </a:p>
           <a:p>
@@ -7219,7 +7219,7 @@
         </p:nvSpPr>
         <p:spPr>
           <a:xfrm>
-            <a:off x="1370692" y="1828801"/>
+            <a:off x="1262790" y="1644163"/>
             <a:ext cx="9440034" cy="4572000"/>
           </a:xfrm>
         </p:spPr>
@@ -7443,41 +7443,6 @@
       </p:sp>
       <p:sp>
         <p:nvSpPr>
-          <p:cNvPr id="6" name="TextBox 5">
-            <a:extLst>
-              <a:ext uri="{FF2B5EF4-FFF2-40B4-BE49-F238E27FC236}">
-                <a16:creationId xmlns:a16="http://schemas.microsoft.com/office/drawing/2014/main" id="{8DDF5FD3-5171-EEDD-9F7D-B7550BB2829B}"/>
-              </a:ext>
-            </a:extLst>
-          </p:cNvPr>
-          <p:cNvSpPr txBox="1"/>
-          <p:nvPr/>
-        </p:nvSpPr>
-        <p:spPr>
-          <a:xfrm>
-            <a:off x="947212" y="2100431"/>
-            <a:ext cx="1638055" cy="923330"/>
-          </a:xfrm>
-          <a:prstGeom prst="rect">
-            <a:avLst/>
-          </a:prstGeom>
-          <a:noFill/>
-        </p:spPr>
-        <p:txBody>
-          <a:bodyPr wrap="square" rtlCol="0">
-            <a:spAutoFit/>
-          </a:bodyPr>
-          <a:lstStyle/>
-          <a:p>
-            <a:r>
-              <a:rPr lang="en-US" dirty="0"/>
-              <a:t>Creating, Saving, and Retrieving files</a:t>
-            </a:r>
-          </a:p>
-        </p:txBody>
-      </p:sp>
-      <p:sp>
-        <p:nvSpPr>
           <p:cNvPr id="8" name="Rectangle 7">
             <a:extLst>
               <a:ext uri="{FF2B5EF4-FFF2-40B4-BE49-F238E27FC236}">
@@ -7544,8 +7509,8 @@
         </p:nvSpPr>
         <p:spPr>
           <a:xfrm>
-            <a:off x="4786186" y="3482282"/>
-            <a:ext cx="1796722" cy="1200329"/>
+            <a:off x="4786185" y="3693298"/>
+            <a:ext cx="2221283" cy="1477328"/>
           </a:xfrm>
           <a:prstGeom prst="rect">
             <a:avLst/>
@@ -7560,7 +7525,7 @@
           <a:p>
             <a:r>
               <a:rPr lang="en-US" dirty="0"/>
-              <a:t>Handling objects such as shapes (for now, circles, and lines</a:t>
+              <a:t>Handling objects such as shapes (for now, circles, and lines) and layout for different applications</a:t>
             </a:r>
           </a:p>
         </p:txBody>
@@ -7633,8 +7598,8 @@
         </p:nvSpPr>
         <p:spPr>
           <a:xfrm>
-            <a:off x="8741043" y="2123440"/>
-            <a:ext cx="1764397" cy="1200329"/>
+            <a:off x="8673692" y="2123440"/>
+            <a:ext cx="2231757" cy="1754326"/>
           </a:xfrm>
           <a:prstGeom prst="rect">
             <a:avLst/>
@@ -7649,7 +7614,43 @@
           <a:p>
             <a:r>
               <a:rPr lang="en-US" dirty="0"/>
-              <a:t>Common UI Operations such as Copy/Paste, and Undo/Redo</a:t>
+              <a:t>Designs can be copied quickly and sections or features altered to compare and contrast variations in the design </a:t>
+            </a:r>
+          </a:p>
+        </p:txBody>
+      </p:sp>
+      <p:sp>
+        <p:nvSpPr>
+          <p:cNvPr id="4" name="TextBox 3">
+            <a:extLst>
+              <a:ext uri="{FF2B5EF4-FFF2-40B4-BE49-F238E27FC236}">
+                <a16:creationId xmlns:a16="http://schemas.microsoft.com/office/drawing/2014/main" id="{74BD0032-A915-FFC7-391C-FDED6F038F1D}"/>
+              </a:ext>
+            </a:extLst>
+          </p:cNvPr>
+          <p:cNvSpPr txBox="1"/>
+          <p:nvPr/>
+        </p:nvSpPr>
+        <p:spPr>
+          <a:xfrm>
+            <a:off x="748728" y="2061782"/>
+            <a:ext cx="2592349" cy="1200329"/>
+          </a:xfrm>
+          <a:prstGeom prst="rect">
+            <a:avLst/>
+          </a:prstGeom>
+          <a:noFill/>
+        </p:spPr>
+        <p:txBody>
+          <a:bodyPr wrap="square">
+            <a:spAutoFit/>
+          </a:bodyPr>
+          <a:lstStyle/>
+          <a:p>
+            <a:pPr algn="l"/>
+            <a:r>
+              <a:rPr lang="en-US" sz="1800" dirty="0"/>
+              <a:t>Assist with the design’s creation, modification, analysis, or optimization of a design.</a:t>
             </a:r>
           </a:p>
         </p:txBody>
@@ -7832,41 +7833,6 @@
       </p:sp>
       <p:sp>
         <p:nvSpPr>
-          <p:cNvPr id="11" name="TextBox 10">
-            <a:extLst>
-              <a:ext uri="{FF2B5EF4-FFF2-40B4-BE49-F238E27FC236}">
-                <a16:creationId xmlns:a16="http://schemas.microsoft.com/office/drawing/2014/main" id="{AD81B178-911B-BD00-934E-6B9FB7A4DF32}"/>
-              </a:ext>
-            </a:extLst>
-          </p:cNvPr>
-          <p:cNvSpPr txBox="1"/>
-          <p:nvPr/>
-        </p:nvSpPr>
-        <p:spPr>
-          <a:xfrm>
-            <a:off x="1248729" y="1229404"/>
-            <a:ext cx="1638055" cy="923330"/>
-          </a:xfrm>
-          <a:prstGeom prst="rect">
-            <a:avLst/>
-          </a:prstGeom>
-          <a:noFill/>
-        </p:spPr>
-        <p:txBody>
-          <a:bodyPr wrap="square" rtlCol="0">
-            <a:spAutoFit/>
-          </a:bodyPr>
-          <a:lstStyle/>
-          <a:p>
-            <a:r>
-              <a:rPr lang="en-US" dirty="0"/>
-              <a:t>Creating, Saving, and Retrieving files</a:t>
-            </a:r>
-          </a:p>
-        </p:txBody>
-      </p:sp>
-      <p:sp>
-        <p:nvSpPr>
           <p:cNvPr id="18" name="TextBox 17">
             <a:extLst>
               <a:ext uri="{FF2B5EF4-FFF2-40B4-BE49-F238E27FC236}">
@@ -7879,8 +7845,8 @@
         </p:nvSpPr>
         <p:spPr>
           <a:xfrm>
-            <a:off x="9680408" y="1722603"/>
-            <a:ext cx="1638055" cy="923330"/>
+            <a:off x="9056155" y="1177517"/>
+            <a:ext cx="2444183" cy="2031325"/>
           </a:xfrm>
           <a:prstGeom prst="rect">
             <a:avLst/>
@@ -7895,7 +7861,7 @@
           <a:p>
             <a:r>
               <a:rPr lang="en-US" dirty="0"/>
-              <a:t>Creating, Saving, and Retrieving files</a:t>
+              <a:t>Being able to insert commonly use components into a drawing greatly speeds up the drawing process while also removing the potential for errors</a:t>
             </a:r>
           </a:p>
         </p:txBody>
@@ -7956,10 +7922,10 @@
       </p:sp>
       <p:sp>
         <p:nvSpPr>
-          <p:cNvPr id="24" name="TextBox 23">
+          <p:cNvPr id="2" name="TextBox 1">
             <a:extLst>
               <a:ext uri="{FF2B5EF4-FFF2-40B4-BE49-F238E27FC236}">
-                <a16:creationId xmlns:a16="http://schemas.microsoft.com/office/drawing/2014/main" id="{7F9DDB77-E93A-2A91-233E-98C93F01DCC4}"/>
+                <a16:creationId xmlns:a16="http://schemas.microsoft.com/office/drawing/2014/main" id="{D1191487-E155-F924-4502-E8B5100C2F66}"/>
               </a:ext>
             </a:extLst>
           </p:cNvPr>
@@ -7968,8 +7934,8 @@
         </p:nvSpPr>
         <p:spPr>
           <a:xfrm>
-            <a:off x="5137482" y="3659856"/>
-            <a:ext cx="1638055" cy="923330"/>
+            <a:off x="1186962" y="1292469"/>
+            <a:ext cx="2409092" cy="1754326"/>
           </a:xfrm>
           <a:prstGeom prst="rect">
             <a:avLst/>
@@ -7984,7 +7950,42 @@
           <a:p>
             <a:r>
               <a:rPr lang="en-US" dirty="0"/>
-              <a:t>Creating, Saving, and Retrieving files</a:t>
+              <a:t>Drafting views such as planes, sections, and elevations , designers can visualize completed design and make any amendments as needed</a:t>
+            </a:r>
+          </a:p>
+        </p:txBody>
+      </p:sp>
+      <p:sp>
+        <p:nvSpPr>
+          <p:cNvPr id="3" name="TextBox 2">
+            <a:extLst>
+              <a:ext uri="{FF2B5EF4-FFF2-40B4-BE49-F238E27FC236}">
+                <a16:creationId xmlns:a16="http://schemas.microsoft.com/office/drawing/2014/main" id="{91EAD1F5-EBFF-509C-AB22-D89F0F5CB191}"/>
+              </a:ext>
+            </a:extLst>
+          </p:cNvPr>
+          <p:cNvSpPr txBox="1"/>
+          <p:nvPr/>
+        </p:nvSpPr>
+        <p:spPr>
+          <a:xfrm>
+            <a:off x="5114115" y="3567523"/>
+            <a:ext cx="2394516" cy="1754326"/>
+          </a:xfrm>
+          <a:prstGeom prst="rect">
+            <a:avLst/>
+          </a:prstGeom>
+          <a:noFill/>
+        </p:spPr>
+        <p:txBody>
+          <a:bodyPr wrap="square" rtlCol="0">
+            <a:spAutoFit/>
+          </a:bodyPr>
+          <a:lstStyle/>
+          <a:p>
+            <a:r>
+              <a:rPr lang="en-US" dirty="0"/>
+              <a:t>Software is much faster than manual drawing methods, it also allows designers to explore different design options more efficiently</a:t>
             </a:r>
           </a:p>
         </p:txBody>
@@ -8839,6 +8840,24 @@
 </file>
 
 <file path=customXml/item1.xml><?xml version="1.0" encoding="utf-8"?>
+<?mso-contentType ?>
+<FormTemplates xmlns="http://schemas.microsoft.com/sharepoint/v3/contenttype/forms">
+  <Display>DocumentLibraryForm</Display>
+  <Edit>DocumentLibraryForm</Edit>
+  <New>DocumentLibraryForm</New>
+</FormTemplates>
+</file>
+
+<file path=customXml/item2.xml><?xml version="1.0" encoding="utf-8"?>
+<p:properties xmlns:p="http://schemas.microsoft.com/office/2006/metadata/properties" xmlns:xsi="http://www.w3.org/2001/XMLSchema-instance" xmlns:pc="http://schemas.microsoft.com/office/infopath/2007/PartnerControls">
+  <documentManagement>
+    <Status xmlns="71af3243-3dd4-4a8d-8c0d-dd76da1f02a5">Not started</Status>
+    <MediaServiceKeyPoints xmlns="71af3243-3dd4-4a8d-8c0d-dd76da1f02a5" xsi:nil="true"/>
+  </documentManagement>
+</p:properties>
+</file>
+
+<file path=customXml/item3.xml><?xml version="1.0" encoding="utf-8"?>
 <ct:contentTypeSchema xmlns:ct="http://schemas.microsoft.com/office/2006/metadata/contentType" xmlns:ma="http://schemas.microsoft.com/office/2006/metadata/properties/metaAttributes" ct:_="" ma:_="" ma:contentTypeName="Document" ma:contentTypeID="0x01010079F111ED35F8CC479449609E8A0923A6" ma:contentTypeVersion="12" ma:contentTypeDescription="Create a new document." ma:contentTypeScope="" ma:versionID="a410dd7f93c95333ffa1b60ed6adedd1">
   <xsd:schema xmlns:xsd="http://www.w3.org/2001/XMLSchema" xmlns:xs="http://www.w3.org/2001/XMLSchema" xmlns:p="http://schemas.microsoft.com/office/2006/metadata/properties" xmlns:ns2="71af3243-3dd4-4a8d-8c0d-dd76da1f02a5" xmlns:ns3="16c05727-aa75-4e4a-9b5f-8a80a1165891" targetNamespace="http://schemas.microsoft.com/office/2006/metadata/properties" ma:root="true" ma:fieldsID="a936d9baba76aa3866493feff160faab" ns2:_="" ns3:_="">
     <xsd:import namespace="71af3243-3dd4-4a8d-8c0d-dd76da1f02a5"/>
@@ -9059,39 +9078,10 @@
 </ct:contentTypeSchema>
 </file>
 
-<file path=customXml/item2.xml><?xml version="1.0" encoding="utf-8"?>
-<p:properties xmlns:p="http://schemas.microsoft.com/office/2006/metadata/properties" xmlns:xsi="http://www.w3.org/2001/XMLSchema-instance" xmlns:pc="http://schemas.microsoft.com/office/infopath/2007/PartnerControls">
-  <documentManagement>
-    <Status xmlns="71af3243-3dd4-4a8d-8c0d-dd76da1f02a5">Not started</Status>
-    <MediaServiceKeyPoints xmlns="71af3243-3dd4-4a8d-8c0d-dd76da1f02a5" xsi:nil="true"/>
-  </documentManagement>
-</p:properties>
-</file>
-
-<file path=customXml/item3.xml><?xml version="1.0" encoding="utf-8"?>
-<?mso-contentType ?>
-<FormTemplates xmlns="http://schemas.microsoft.com/sharepoint/v3/contenttype/forms">
-  <Display>DocumentLibraryForm</Display>
-  <Edit>DocumentLibraryForm</Edit>
-  <New>DocumentLibraryForm</New>
-</FormTemplates>
-</file>
-
 <file path=customXml/itemProps1.xml><?xml version="1.0" encoding="utf-8"?>
-<ds:datastoreItem xmlns:ds="http://schemas.openxmlformats.org/officeDocument/2006/customXml" ds:itemID="{0585E981-8C91-4205-A0C3-C991F42B4C9E}">
+<ds:datastoreItem xmlns:ds="http://schemas.openxmlformats.org/officeDocument/2006/customXml" ds:itemID="{64B270AB-C138-415C-897E-3C24487DECF1}">
   <ds:schemaRefs>
-    <ds:schemaRef ds:uri="http://schemas.microsoft.com/office/2006/metadata/contentType"/>
-    <ds:schemaRef ds:uri="http://schemas.microsoft.com/office/2006/metadata/properties/metaAttributes"/>
-    <ds:schemaRef ds:uri="http://www.w3.org/2001/XMLSchema"/>
-    <ds:schemaRef ds:uri="http://schemas.microsoft.com/office/2006/metadata/properties"/>
-    <ds:schemaRef ds:uri="71af3243-3dd4-4a8d-8c0d-dd76da1f02a5"/>
-    <ds:schemaRef ds:uri="16c05727-aa75-4e4a-9b5f-8a80a1165891"/>
-    <ds:schemaRef ds:uri="http://schemas.microsoft.com/office/2006/documentManagement/types"/>
-    <ds:schemaRef ds:uri="http://schemas.microsoft.com/office/infopath/2007/PartnerControls"/>
-    <ds:schemaRef ds:uri="http://schemas.openxmlformats.org/package/2006/metadata/core-properties"/>
-    <ds:schemaRef ds:uri="http://purl.org/dc/elements/1.1/"/>
-    <ds:schemaRef ds:uri="http://purl.org/dc/terms/"/>
-    <ds:schemaRef ds:uri="http://schemas.microsoft.com/internal/obd"/>
+    <ds:schemaRef ds:uri="http://schemas.microsoft.com/sharepoint/v3/contenttype/forms"/>
   </ds:schemaRefs>
 </ds:datastoreItem>
 </file>
@@ -9114,9 +9104,20 @@
 </file>
 
 <file path=customXml/itemProps3.xml><?xml version="1.0" encoding="utf-8"?>
-<ds:datastoreItem xmlns:ds="http://schemas.openxmlformats.org/officeDocument/2006/customXml" ds:itemID="{64B270AB-C138-415C-897E-3C24487DECF1}">
+<ds:datastoreItem xmlns:ds="http://schemas.openxmlformats.org/officeDocument/2006/customXml" ds:itemID="{0585E981-8C91-4205-A0C3-C991F42B4C9E}">
   <ds:schemaRefs>
-    <ds:schemaRef ds:uri="http://schemas.microsoft.com/sharepoint/v3/contenttype/forms"/>
+    <ds:schemaRef ds:uri="http://schemas.microsoft.com/office/2006/metadata/contentType"/>
+    <ds:schemaRef ds:uri="http://schemas.microsoft.com/office/2006/metadata/properties/metaAttributes"/>
+    <ds:schemaRef ds:uri="http://www.w3.org/2001/XMLSchema"/>
+    <ds:schemaRef ds:uri="http://schemas.microsoft.com/office/2006/metadata/properties"/>
+    <ds:schemaRef ds:uri="71af3243-3dd4-4a8d-8c0d-dd76da1f02a5"/>
+    <ds:schemaRef ds:uri="16c05727-aa75-4e4a-9b5f-8a80a1165891"/>
+    <ds:schemaRef ds:uri="http://schemas.microsoft.com/office/2006/documentManagement/types"/>
+    <ds:schemaRef ds:uri="http://schemas.microsoft.com/office/infopath/2007/PartnerControls"/>
+    <ds:schemaRef ds:uri="http://schemas.openxmlformats.org/package/2006/metadata/core-properties"/>
+    <ds:schemaRef ds:uri="http://purl.org/dc/elements/1.1/"/>
+    <ds:schemaRef ds:uri="http://purl.org/dc/terms/"/>
+    <ds:schemaRef ds:uri="http://schemas.microsoft.com/internal/obd"/>
   </ds:schemaRefs>
 </ds:datastoreItem>
 </file>
--- a/doc/2D_CAD_PROGRAM_final.pptx
+++ b/doc/2D_CAD_PROGRAM_final.pptx
@@ -6638,6 +6638,50 @@
           </a:p>
         </p:txBody>
       </p:sp>
+      <p:sp>
+        <p:nvSpPr>
+          <p:cNvPr id="6" name="TextBox 5">
+            <a:extLst>
+              <a:ext uri="{FF2B5EF4-FFF2-40B4-BE49-F238E27FC236}">
+                <a16:creationId xmlns:a16="http://schemas.microsoft.com/office/drawing/2014/main" id="{5402F1F0-4C7B-0165-5828-29F7A32ED5C1}"/>
+              </a:ext>
+            </a:extLst>
+          </p:cNvPr>
+          <p:cNvSpPr txBox="1"/>
+          <p:nvPr/>
+        </p:nvSpPr>
+        <p:spPr>
+          <a:xfrm>
+            <a:off x="3394478" y="3666364"/>
+            <a:ext cx="3047267" cy="378097"/>
+          </a:xfrm>
+          <a:prstGeom prst="rect">
+            <a:avLst/>
+          </a:prstGeom>
+          <a:noFill/>
+        </p:spPr>
+        <p:txBody>
+          <a:bodyPr wrap="square">
+            <a:spAutoFit/>
+          </a:bodyPr>
+          <a:lstStyle/>
+          <a:p>
+            <a:r>
+              <a:rPr lang="en-US" sz="1800" dirty="0">
+                <a:solidFill>
+                  <a:schemeClr val="bg1"/>
+                </a:solidFill>
+              </a:rPr>
+              <a:t>TEAM IN</a:t>
+            </a:r>
+            <a:endParaRPr lang="en-US" dirty="0">
+              <a:solidFill>
+                <a:schemeClr val="bg1"/>
+              </a:solidFill>
+            </a:endParaRPr>
+          </a:p>
+        </p:txBody>
+      </p:sp>
     </p:spTree>
     <p:extLst>
       <p:ext uri="{BB962C8B-B14F-4D97-AF65-F5344CB8AC3E}">
@@ -8083,7 +8127,10 @@
           </a:bodyPr>
           <a:lstStyle/>
           <a:p>
-            <a:pPr algn="l"/>
+            <a:pPr marL="342900" indent="-342900" algn="l">
+              <a:buFont typeface="Wingdings" panose="05000000000000000000" pitchFamily="2" charset="2"/>
+              <a:buChar char="v"/>
+            </a:pPr>
             <a:endParaRPr lang="en-US" dirty="0"/>
           </a:p>
         </p:txBody>
@@ -8118,7 +8165,7 @@
         </p:blipFill>
         <p:spPr>
           <a:xfrm>
-            <a:off x="-8622" y="10"/>
+            <a:off x="0" y="10"/>
             <a:ext cx="6096000" cy="6857990"/>
           </a:xfrm>
           <a:prstGeom prst="rect">

--- a/doc/2D_CAD_PROGRAM_final.pptx
+++ b/doc/2D_CAD_PROGRAM_final.pptx
@@ -6484,7 +6484,7 @@
           </a:effectLst>
           <a:extLst>
             <a:ext uri="{91240B29-F687-4f45-9708-019B960494DF}">
-              <a14:hiddenLine xmlns:a16="http://schemas.microsoft.com/office/drawing/2014/main" xmlns:p14="http://schemas.microsoft.com/office/powerpoint/2010/main" xmlns:a14="http://schemas.microsoft.com/office/drawing/2010/main" xmlns="" w="9525">
+              <a14:hiddenLine xmlns="" xmlns:a14="http://schemas.microsoft.com/office/drawing/2010/main" xmlns:p14="http://schemas.microsoft.com/office/powerpoint/2010/main" xmlns:a16="http://schemas.microsoft.com/office/drawing/2014/main" w="9525">
                 <a:solidFill>
                   <a:srgbClr val="000000"/>
                 </a:solidFill>
@@ -8887,21 +8887,21 @@
 </file>
 
 <file path=customXml/item1.xml><?xml version="1.0" encoding="utf-8"?>
+<p:properties xmlns:p="http://schemas.microsoft.com/office/2006/metadata/properties" xmlns:xsi="http://www.w3.org/2001/XMLSchema-instance" xmlns:pc="http://schemas.microsoft.com/office/infopath/2007/PartnerControls">
+  <documentManagement>
+    <Status xmlns="71af3243-3dd4-4a8d-8c0d-dd76da1f02a5">Not started</Status>
+    <MediaServiceKeyPoints xmlns="71af3243-3dd4-4a8d-8c0d-dd76da1f02a5" xsi:nil="true"/>
+  </documentManagement>
+</p:properties>
+</file>
+
+<file path=customXml/item2.xml><?xml version="1.0" encoding="utf-8"?>
 <?mso-contentType ?>
 <FormTemplates xmlns="http://schemas.microsoft.com/sharepoint/v3/contenttype/forms">
   <Display>DocumentLibraryForm</Display>
   <Edit>DocumentLibraryForm</Edit>
   <New>DocumentLibraryForm</New>
 </FormTemplates>
-</file>
-
-<file path=customXml/item2.xml><?xml version="1.0" encoding="utf-8"?>
-<p:properties xmlns:p="http://schemas.microsoft.com/office/2006/metadata/properties" xmlns:xsi="http://www.w3.org/2001/XMLSchema-instance" xmlns:pc="http://schemas.microsoft.com/office/infopath/2007/PartnerControls">
-  <documentManagement>
-    <Status xmlns="71af3243-3dd4-4a8d-8c0d-dd76da1f02a5">Not started</Status>
-    <MediaServiceKeyPoints xmlns="71af3243-3dd4-4a8d-8c0d-dd76da1f02a5" xsi:nil="true"/>
-  </documentManagement>
-</p:properties>
 </file>
 
 <file path=customXml/item3.xml><?xml version="1.0" encoding="utf-8"?>
@@ -9126,14 +9126,6 @@
 </file>
 
 <file path=customXml/itemProps1.xml><?xml version="1.0" encoding="utf-8"?>
-<ds:datastoreItem xmlns:ds="http://schemas.openxmlformats.org/officeDocument/2006/customXml" ds:itemID="{64B270AB-C138-415C-897E-3C24487DECF1}">
-  <ds:schemaRefs>
-    <ds:schemaRef ds:uri="http://schemas.microsoft.com/sharepoint/v3/contenttype/forms"/>
-  </ds:schemaRefs>
-</ds:datastoreItem>
-</file>
-
-<file path=customXml/itemProps2.xml><?xml version="1.0" encoding="utf-8"?>
 <ds:datastoreItem xmlns:ds="http://schemas.openxmlformats.org/officeDocument/2006/customXml" ds:itemID="{2C4C00F4-06E9-43E3-AD97-88A857CEFA82}">
   <ds:schemaRefs>
     <ds:schemaRef ds:uri="http://schemas.openxmlformats.org/package/2006/metadata/core-properties"/>
@@ -9146,6 +9138,14 @@
     <ds:schemaRef ds:uri="http://purl.org/dc/elements/1.1/"/>
     <ds:schemaRef ds:uri="16c05727-aa75-4e4a-9b5f-8a80a1165891"/>
     <ds:schemaRef ds:uri="http://www.w3.org/XML/1998/namespace"/>
+  </ds:schemaRefs>
+</ds:datastoreItem>
+</file>
+
+<file path=customXml/itemProps2.xml><?xml version="1.0" encoding="utf-8"?>
+<ds:datastoreItem xmlns:ds="http://schemas.openxmlformats.org/officeDocument/2006/customXml" ds:itemID="{64B270AB-C138-415C-897E-3C24487DECF1}">
+  <ds:schemaRefs>
+    <ds:schemaRef ds:uri="http://schemas.microsoft.com/sharepoint/v3/contenttype/forms"/>
   </ds:schemaRefs>
 </ds:datastoreItem>
 </file>
